--- a/while_img.pptx
+++ b/while_img.pptx
@@ -104,6 +104,11 @@
       </a:defRPr>
     </a:lvl9pPr>
   </p:defaultTextStyle>
+  <p:extLst>
+    <p:ext uri="{EFAFB233-063F-42B5-8137-9DF3F51BA10A}">
+      <p15:sldGuideLst xmlns:p15="http://schemas.microsoft.com/office/powerpoint/2012/main"/>
+    </p:ext>
+  </p:extLst>
 </p:presentation>
 </file>
 
@@ -3342,974 +3347,1165 @@
           <a:chExt cx="0" cy="0"/>
         </a:xfrm>
       </p:grpSpPr>
-      <p:sp>
-        <p:nvSpPr>
-          <p:cNvPr id="2" name="직사각형 1">
-            <a:extLst>
-              <a:ext uri="{FF2B5EF4-FFF2-40B4-BE49-F238E27FC236}">
-                <a16:creationId xmlns:a16="http://schemas.microsoft.com/office/drawing/2014/main" id="{3C4C74F3-A2AD-EB8E-78FE-6149037FC3C5}"/>
-              </a:ext>
-            </a:extLst>
-          </p:cNvPr>
-          <p:cNvSpPr/>
+      <p:grpSp>
+        <p:nvGrpSpPr>
+          <p:cNvPr id="10" name="그룹 9">
+            <a:extLst>
+              <a:ext uri="{FF2B5EF4-FFF2-40B4-BE49-F238E27FC236}">
+                <a16:creationId xmlns:a16="http://schemas.microsoft.com/office/drawing/2014/main" id="{8FCEE3BA-BC2F-2C4D-5E3E-BEC0751C881A}"/>
+              </a:ext>
+            </a:extLst>
+          </p:cNvPr>
+          <p:cNvGrpSpPr/>
           <p:nvPr/>
-        </p:nvSpPr>
-        <p:spPr>
+        </p:nvGrpSpPr>
+        <p:grpSpPr>
           <a:xfrm>
-            <a:off x="469557" y="1309816"/>
-            <a:ext cx="2236574" cy="753762"/>
+            <a:off x="1289364" y="505149"/>
+            <a:ext cx="9947188" cy="5847702"/>
+            <a:chOff x="469557" y="417174"/>
+            <a:chExt cx="9947188" cy="5847702"/>
           </a:xfrm>
-          <a:prstGeom prst="rect">
-            <a:avLst/>
-          </a:prstGeom>
-          <a:solidFill>
-            <a:schemeClr val="accent5">
-              <a:lumMod val="40000"/>
-              <a:lumOff val="60000"/>
-              <a:alpha val="30000"/>
-            </a:schemeClr>
-          </a:solidFill>
-          <a:ln>
+        </p:grpSpPr>
+        <p:sp>
+          <p:nvSpPr>
+            <p:cNvPr id="2" name="직사각형 1">
+              <a:extLst>
+                <a:ext uri="{FF2B5EF4-FFF2-40B4-BE49-F238E27FC236}">
+                  <a16:creationId xmlns:a16="http://schemas.microsoft.com/office/drawing/2014/main" id="{3C4C74F3-A2AD-EB8E-78FE-6149037FC3C5}"/>
+                </a:ext>
+              </a:extLst>
+            </p:cNvPr>
+            <p:cNvSpPr/>
+            <p:nvPr/>
+          </p:nvSpPr>
+          <p:spPr>
+            <a:xfrm>
+              <a:off x="469557" y="1309816"/>
+              <a:ext cx="2236574" cy="753762"/>
+            </a:xfrm>
+            <a:prstGeom prst="rect">
+              <a:avLst/>
+            </a:prstGeom>
+            <a:solidFill>
+              <a:schemeClr val="accent5">
+                <a:lumMod val="40000"/>
+                <a:lumOff val="60000"/>
+                <a:alpha val="30000"/>
+              </a:schemeClr>
+            </a:solidFill>
+            <a:ln>
+              <a:noFill/>
+            </a:ln>
+          </p:spPr>
+          <p:style>
+            <a:lnRef idx="2">
+              <a:schemeClr val="accent1">
+                <a:shade val="50000"/>
+              </a:schemeClr>
+            </a:lnRef>
+            <a:fillRef idx="1">
+              <a:schemeClr val="accent1"/>
+            </a:fillRef>
+            <a:effectRef idx="0">
+              <a:schemeClr val="accent1"/>
+            </a:effectRef>
+            <a:fontRef idx="minor">
+              <a:schemeClr val="lt1"/>
+            </a:fontRef>
+          </p:style>
+          <p:txBody>
+            <a:bodyPr rtlCol="0" anchor="ctr"/>
+            <a:lstStyle/>
+            <a:p>
+              <a:pPr algn="ctr"/>
+              <a:r>
+                <a:rPr kumimoji="1" lang="en-US" altLang="ko-Kore-KR" sz="3000" dirty="0" err="1">
+                  <a:solidFill>
+                    <a:schemeClr val="tx1"/>
+                  </a:solidFill>
+                  <a:latin typeface="BM JUA OTF" panose="02020603020101020101" pitchFamily="18" charset="-127"/>
+                  <a:ea typeface="BM JUA OTF" panose="02020603020101020101" pitchFamily="18" charset="-127"/>
+                </a:rPr>
+                <a:t>treeHit</a:t>
+              </a:r>
+              <a:r>
+                <a:rPr kumimoji="1" lang="en-US" altLang="ko-Kore-KR" sz="3000" dirty="0">
+                  <a:solidFill>
+                    <a:schemeClr val="tx1"/>
+                  </a:solidFill>
+                  <a:latin typeface="BM JUA OTF" panose="02020603020101020101" pitchFamily="18" charset="-127"/>
+                  <a:ea typeface="BM JUA OTF" panose="02020603020101020101" pitchFamily="18" charset="-127"/>
+                </a:rPr>
+                <a:t> </a:t>
+              </a:r>
+              <a:r>
+                <a:rPr kumimoji="1" lang="en-US" altLang="ko-Kore-KR" sz="3000" dirty="0">
+                  <a:solidFill>
+                    <a:srgbClr val="FF77D1"/>
+                  </a:solidFill>
+                  <a:latin typeface="BM JUA OTF" panose="02020603020101020101" pitchFamily="18" charset="-127"/>
+                  <a:ea typeface="BM JUA OTF" panose="02020603020101020101" pitchFamily="18" charset="-127"/>
+                </a:rPr>
+                <a:t>=</a:t>
+              </a:r>
+              <a:r>
+                <a:rPr kumimoji="1" lang="en-US" altLang="ko-Kore-KR" sz="3000" dirty="0">
+                  <a:solidFill>
+                    <a:schemeClr val="tx1"/>
+                  </a:solidFill>
+                  <a:latin typeface="BM JUA OTF" panose="02020603020101020101" pitchFamily="18" charset="-127"/>
+                  <a:ea typeface="BM JUA OTF" panose="02020603020101020101" pitchFamily="18" charset="-127"/>
+                </a:rPr>
+                <a:t> </a:t>
+              </a:r>
+              <a:r>
+                <a:rPr kumimoji="1" lang="en-US" altLang="ko-Kore-KR" sz="3000" dirty="0">
+                  <a:solidFill>
+                    <a:srgbClr val="D4A0FF"/>
+                  </a:solidFill>
+                  <a:latin typeface="BM JUA OTF" panose="02020603020101020101" pitchFamily="18" charset="-127"/>
+                  <a:ea typeface="BM JUA OTF" panose="02020603020101020101" pitchFamily="18" charset="-127"/>
+                </a:rPr>
+                <a:t>0</a:t>
+              </a:r>
+              <a:endParaRPr kumimoji="1" lang="ko-Kore-KR" altLang="en-US" sz="3000" dirty="0">
+                <a:solidFill>
+                  <a:srgbClr val="D4A0FF"/>
+                </a:solidFill>
+                <a:latin typeface="BM JUA OTF" panose="02020603020101020101" pitchFamily="18" charset="-127"/>
+                <a:ea typeface="BM JUA OTF" panose="02020603020101020101" pitchFamily="18" charset="-127"/>
+              </a:endParaRPr>
+            </a:p>
+          </p:txBody>
+        </p:sp>
+        <p:sp>
+          <p:nvSpPr>
+            <p:cNvPr id="4" name="직사각형 3">
+              <a:extLst>
+                <a:ext uri="{FF2B5EF4-FFF2-40B4-BE49-F238E27FC236}">
+                  <a16:creationId xmlns:a16="http://schemas.microsoft.com/office/drawing/2014/main" id="{76490373-92C1-32D0-8982-860147B77875}"/>
+                </a:ext>
+              </a:extLst>
+            </p:cNvPr>
+            <p:cNvSpPr/>
+            <p:nvPr/>
+          </p:nvSpPr>
+          <p:spPr>
+            <a:xfrm>
+              <a:off x="469557" y="2265405"/>
+              <a:ext cx="1470454" cy="753762"/>
+            </a:xfrm>
+            <a:prstGeom prst="rect">
+              <a:avLst/>
+            </a:prstGeom>
             <a:noFill/>
-          </a:ln>
-        </p:spPr>
-        <p:style>
-          <a:lnRef idx="2">
-            <a:schemeClr val="accent1">
-              <a:shade val="50000"/>
-            </a:schemeClr>
-          </a:lnRef>
-          <a:fillRef idx="1">
-            <a:schemeClr val="accent1"/>
-          </a:fillRef>
-          <a:effectRef idx="0">
-            <a:schemeClr val="accent1"/>
-          </a:effectRef>
-          <a:fontRef idx="minor">
-            <a:schemeClr val="lt1"/>
-          </a:fontRef>
-        </p:style>
-        <p:txBody>
-          <a:bodyPr rtlCol="0" anchor="ctr"/>
-          <a:lstStyle/>
-          <a:p>
-            <a:pPr algn="ctr"/>
-            <a:r>
-              <a:rPr kumimoji="1" lang="en-US" altLang="ko-Kore-KR" sz="3000" dirty="0" err="1">
+            <a:ln>
+              <a:noFill/>
+            </a:ln>
+          </p:spPr>
+          <p:style>
+            <a:lnRef idx="2">
+              <a:schemeClr val="accent1">
+                <a:shade val="50000"/>
+              </a:schemeClr>
+            </a:lnRef>
+            <a:fillRef idx="1">
+              <a:schemeClr val="accent1"/>
+            </a:fillRef>
+            <a:effectRef idx="0">
+              <a:schemeClr val="accent1"/>
+            </a:effectRef>
+            <a:fontRef idx="minor">
+              <a:schemeClr val="lt1"/>
+            </a:fontRef>
+          </p:style>
+          <p:txBody>
+            <a:bodyPr rtlCol="0" anchor="ctr"/>
+            <a:lstStyle/>
+            <a:p>
+              <a:pPr algn="ctr"/>
+              <a:r>
+                <a:rPr kumimoji="1" lang="en-US" altLang="ko-Kore-KR" sz="3000" dirty="0">
+                  <a:solidFill>
+                    <a:srgbClr val="FF77D1"/>
+                  </a:solidFill>
+                  <a:latin typeface="BM JUA OTF" panose="02020603020101020101" pitchFamily="18" charset="-127"/>
+                  <a:ea typeface="BM JUA OTF" panose="02020603020101020101" pitchFamily="18" charset="-127"/>
+                </a:rPr>
+                <a:t>while</a:t>
+              </a:r>
+              <a:endParaRPr kumimoji="1" lang="ko-Kore-KR" altLang="en-US" sz="3000" dirty="0">
+                <a:solidFill>
+                  <a:srgbClr val="FF77D1"/>
+                </a:solidFill>
+                <a:latin typeface="BM JUA OTF" panose="02020603020101020101" pitchFamily="18" charset="-127"/>
+                <a:ea typeface="BM JUA OTF" panose="02020603020101020101" pitchFamily="18" charset="-127"/>
+              </a:endParaRPr>
+            </a:p>
+          </p:txBody>
+        </p:sp>
+        <p:sp>
+          <p:nvSpPr>
+            <p:cNvPr id="5" name="직사각형 4">
+              <a:extLst>
+                <a:ext uri="{FF2B5EF4-FFF2-40B4-BE49-F238E27FC236}">
+                  <a16:creationId xmlns:a16="http://schemas.microsoft.com/office/drawing/2014/main" id="{41C8E634-73B9-A7BE-BF4C-E75F647C69BB}"/>
+                </a:ext>
+              </a:extLst>
+            </p:cNvPr>
+            <p:cNvSpPr/>
+            <p:nvPr/>
+          </p:nvSpPr>
+          <p:spPr>
+            <a:xfrm>
+              <a:off x="1717589" y="2265405"/>
+              <a:ext cx="2404218" cy="753762"/>
+            </a:xfrm>
+            <a:prstGeom prst="rect">
+              <a:avLst/>
+            </a:prstGeom>
+            <a:solidFill>
+              <a:schemeClr val="accent5">
+                <a:lumMod val="40000"/>
+                <a:lumOff val="60000"/>
+                <a:alpha val="30000"/>
+              </a:schemeClr>
+            </a:solidFill>
+            <a:ln>
+              <a:noFill/>
+            </a:ln>
+          </p:spPr>
+          <p:style>
+            <a:lnRef idx="2">
+              <a:schemeClr val="accent1">
+                <a:shade val="50000"/>
+              </a:schemeClr>
+            </a:lnRef>
+            <a:fillRef idx="1">
+              <a:schemeClr val="accent1"/>
+            </a:fillRef>
+            <a:effectRef idx="0">
+              <a:schemeClr val="accent1"/>
+            </a:effectRef>
+            <a:fontRef idx="minor">
+              <a:schemeClr val="lt1"/>
+            </a:fontRef>
+          </p:style>
+          <p:txBody>
+            <a:bodyPr rtlCol="0" anchor="ctr"/>
+            <a:lstStyle/>
+            <a:p>
+              <a:pPr algn="ctr"/>
+              <a:r>
+                <a:rPr kumimoji="1" lang="en-US" altLang="ko-Kore-KR" sz="3000" dirty="0" err="1">
+                  <a:solidFill>
+                    <a:schemeClr val="tx1"/>
+                  </a:solidFill>
+                  <a:latin typeface="BM JUA OTF" panose="02020603020101020101" pitchFamily="18" charset="-127"/>
+                  <a:ea typeface="BM JUA OTF" panose="02020603020101020101" pitchFamily="18" charset="-127"/>
+                </a:rPr>
+                <a:t>treeHit</a:t>
+              </a:r>
+              <a:r>
+                <a:rPr kumimoji="1" lang="en-US" altLang="ko-Kore-KR" sz="3000" dirty="0">
+                  <a:solidFill>
+                    <a:schemeClr val="tx1"/>
+                  </a:solidFill>
+                  <a:latin typeface="BM JUA OTF" panose="02020603020101020101" pitchFamily="18" charset="-127"/>
+                  <a:ea typeface="BM JUA OTF" panose="02020603020101020101" pitchFamily="18" charset="-127"/>
+                </a:rPr>
+                <a:t> </a:t>
+              </a:r>
+              <a:r>
+                <a:rPr kumimoji="1" lang="en-US" altLang="ko-Kore-KR" sz="3000" dirty="0">
+                  <a:solidFill>
+                    <a:srgbClr val="FF77D1"/>
+                  </a:solidFill>
+                  <a:latin typeface="BM JUA OTF" panose="02020603020101020101" pitchFamily="18" charset="-127"/>
+                  <a:ea typeface="BM JUA OTF" panose="02020603020101020101" pitchFamily="18" charset="-127"/>
+                </a:rPr>
+                <a:t>&lt;</a:t>
+              </a:r>
+              <a:r>
+                <a:rPr kumimoji="1" lang="en-US" altLang="ko-Kore-KR" sz="3000" dirty="0">
+                  <a:solidFill>
+                    <a:schemeClr val="tx1"/>
+                  </a:solidFill>
+                  <a:latin typeface="BM JUA OTF" panose="02020603020101020101" pitchFamily="18" charset="-127"/>
+                  <a:ea typeface="BM JUA OTF" panose="02020603020101020101" pitchFamily="18" charset="-127"/>
+                </a:rPr>
+                <a:t> </a:t>
+              </a:r>
+              <a:r>
+                <a:rPr kumimoji="1" lang="en-US" altLang="ko-Kore-KR" sz="3000" dirty="0">
+                  <a:solidFill>
+                    <a:srgbClr val="D4A0FF"/>
+                  </a:solidFill>
+                  <a:latin typeface="BM JUA OTF" panose="02020603020101020101" pitchFamily="18" charset="-127"/>
+                  <a:ea typeface="BM JUA OTF" panose="02020603020101020101" pitchFamily="18" charset="-127"/>
+                </a:rPr>
+                <a:t>10</a:t>
+              </a:r>
+              <a:r>
+                <a:rPr kumimoji="1" lang="en-US" altLang="ko-Kore-KR" sz="3000" dirty="0">
+                  <a:solidFill>
+                    <a:schemeClr val="tx1"/>
+                  </a:solidFill>
+                  <a:latin typeface="BM JUA OTF" panose="02020603020101020101" pitchFamily="18" charset="-127"/>
+                  <a:ea typeface="BM JUA OTF" panose="02020603020101020101" pitchFamily="18" charset="-127"/>
+                </a:rPr>
+                <a:t>:</a:t>
+              </a:r>
+              <a:endParaRPr kumimoji="1" lang="ko-Kore-KR" altLang="en-US" sz="3000" dirty="0">
                 <a:solidFill>
                   <a:schemeClr val="tx1"/>
                 </a:solidFill>
                 <a:latin typeface="BM JUA OTF" panose="02020603020101020101" pitchFamily="18" charset="-127"/>
                 <a:ea typeface="BM JUA OTF" panose="02020603020101020101" pitchFamily="18" charset="-127"/>
-              </a:rPr>
-              <a:t>treeHit</a:t>
-            </a:r>
-            <a:r>
-              <a:rPr kumimoji="1" lang="en-US" altLang="ko-Kore-KR" sz="3000" dirty="0">
+              </a:endParaRPr>
+            </a:p>
+          </p:txBody>
+        </p:sp>
+        <p:sp>
+          <p:nvSpPr>
+            <p:cNvPr id="6" name="직사각형 5">
+              <a:extLst>
+                <a:ext uri="{FF2B5EF4-FFF2-40B4-BE49-F238E27FC236}">
+                  <a16:creationId xmlns:a16="http://schemas.microsoft.com/office/drawing/2014/main" id="{ADD99A6E-CB5F-BA68-D73C-DB95C8FF65A8}"/>
+                </a:ext>
+              </a:extLst>
+            </p:cNvPr>
+            <p:cNvSpPr/>
+            <p:nvPr/>
+          </p:nvSpPr>
+          <p:spPr>
+            <a:xfrm>
+              <a:off x="1204784" y="3220994"/>
+              <a:ext cx="2236574" cy="753762"/>
+            </a:xfrm>
+            <a:prstGeom prst="rect">
+              <a:avLst/>
+            </a:prstGeom>
+            <a:solidFill>
+              <a:schemeClr val="accent5">
+                <a:lumMod val="40000"/>
+                <a:lumOff val="60000"/>
+                <a:alpha val="30000"/>
+              </a:schemeClr>
+            </a:solidFill>
+            <a:ln>
+              <a:noFill/>
+            </a:ln>
+          </p:spPr>
+          <p:style>
+            <a:lnRef idx="2">
+              <a:schemeClr val="accent1">
+                <a:shade val="50000"/>
+              </a:schemeClr>
+            </a:lnRef>
+            <a:fillRef idx="1">
+              <a:schemeClr val="accent1"/>
+            </a:fillRef>
+            <a:effectRef idx="0">
+              <a:schemeClr val="accent1"/>
+            </a:effectRef>
+            <a:fontRef idx="minor">
+              <a:schemeClr val="lt1"/>
+            </a:fontRef>
+          </p:style>
+          <p:txBody>
+            <a:bodyPr rtlCol="0" anchor="ctr"/>
+            <a:lstStyle/>
+            <a:p>
+              <a:pPr algn="ctr"/>
+              <a:r>
+                <a:rPr kumimoji="1" lang="en-US" altLang="ko-Kore-KR" sz="3000" dirty="0" err="1">
+                  <a:solidFill>
+                    <a:schemeClr val="tx1"/>
+                  </a:solidFill>
+                  <a:latin typeface="BM JUA OTF" panose="02020603020101020101" pitchFamily="18" charset="-127"/>
+                  <a:ea typeface="BM JUA OTF" panose="02020603020101020101" pitchFamily="18" charset="-127"/>
+                </a:rPr>
+                <a:t>treeHit</a:t>
+              </a:r>
+              <a:r>
+                <a:rPr kumimoji="1" lang="en-US" altLang="ko-Kore-KR" sz="3000" dirty="0">
+                  <a:solidFill>
+                    <a:schemeClr val="tx1"/>
+                  </a:solidFill>
+                  <a:latin typeface="BM JUA OTF" panose="02020603020101020101" pitchFamily="18" charset="-127"/>
+                  <a:ea typeface="BM JUA OTF" panose="02020603020101020101" pitchFamily="18" charset="-127"/>
+                </a:rPr>
+                <a:t> </a:t>
+              </a:r>
+              <a:r>
+                <a:rPr kumimoji="1" lang="en-US" altLang="ko-Kore-KR" sz="3000" dirty="0">
+                  <a:solidFill>
+                    <a:srgbClr val="FF77D1"/>
+                  </a:solidFill>
+                  <a:latin typeface="BM JUA OTF" panose="02020603020101020101" pitchFamily="18" charset="-127"/>
+                  <a:ea typeface="BM JUA OTF" panose="02020603020101020101" pitchFamily="18" charset="-127"/>
+                </a:rPr>
+                <a:t>+=</a:t>
+              </a:r>
+              <a:r>
+                <a:rPr kumimoji="1" lang="en-US" altLang="ko-Kore-KR" sz="3000" dirty="0">
+                  <a:solidFill>
+                    <a:schemeClr val="tx1"/>
+                  </a:solidFill>
+                  <a:latin typeface="BM JUA OTF" panose="02020603020101020101" pitchFamily="18" charset="-127"/>
+                  <a:ea typeface="BM JUA OTF" panose="02020603020101020101" pitchFamily="18" charset="-127"/>
+                </a:rPr>
+                <a:t> </a:t>
+              </a:r>
+              <a:r>
+                <a:rPr kumimoji="1" lang="en-US" altLang="ko-Kore-KR" sz="3000" dirty="0">
+                  <a:solidFill>
+                    <a:srgbClr val="D4A0FF"/>
+                  </a:solidFill>
+                  <a:latin typeface="BM JUA OTF" panose="02020603020101020101" pitchFamily="18" charset="-127"/>
+                  <a:ea typeface="BM JUA OTF" panose="02020603020101020101" pitchFamily="18" charset="-127"/>
+                </a:rPr>
+                <a:t>1</a:t>
+              </a:r>
+              <a:endParaRPr kumimoji="1" lang="ko-Kore-KR" altLang="en-US" sz="3000" dirty="0">
+                <a:solidFill>
+                  <a:srgbClr val="D4A0FF"/>
+                </a:solidFill>
+                <a:latin typeface="BM JUA OTF" panose="02020603020101020101" pitchFamily="18" charset="-127"/>
+                <a:ea typeface="BM JUA OTF" panose="02020603020101020101" pitchFamily="18" charset="-127"/>
+              </a:endParaRPr>
+            </a:p>
+          </p:txBody>
+        </p:sp>
+        <p:sp>
+          <p:nvSpPr>
+            <p:cNvPr id="7" name="직사각형 6">
+              <a:extLst>
+                <a:ext uri="{FF2B5EF4-FFF2-40B4-BE49-F238E27FC236}">
+                  <a16:creationId xmlns:a16="http://schemas.microsoft.com/office/drawing/2014/main" id="{8E93CFA0-B21C-27DB-0A93-187BBB15E793}"/>
+                </a:ext>
+              </a:extLst>
+            </p:cNvPr>
+            <p:cNvSpPr/>
+            <p:nvPr/>
+          </p:nvSpPr>
+          <p:spPr>
+            <a:xfrm>
+              <a:off x="624017" y="4065373"/>
+              <a:ext cx="7309020" cy="753762"/>
+            </a:xfrm>
+            <a:prstGeom prst="rect">
+              <a:avLst/>
+            </a:prstGeom>
+            <a:noFill/>
+            <a:ln>
+              <a:noFill/>
+            </a:ln>
+          </p:spPr>
+          <p:style>
+            <a:lnRef idx="2">
+              <a:schemeClr val="accent1">
+                <a:shade val="50000"/>
+              </a:schemeClr>
+            </a:lnRef>
+            <a:fillRef idx="1">
+              <a:schemeClr val="accent1"/>
+            </a:fillRef>
+            <a:effectRef idx="0">
+              <a:schemeClr val="accent1"/>
+            </a:effectRef>
+            <a:fontRef idx="minor">
+              <a:schemeClr val="lt1"/>
+            </a:fontRef>
+          </p:style>
+          <p:txBody>
+            <a:bodyPr rtlCol="0" anchor="ctr"/>
+            <a:lstStyle/>
+            <a:p>
+              <a:pPr algn="ctr"/>
+              <a:r>
+                <a:rPr kumimoji="1" lang="en-US" altLang="ko-Kore-KR" sz="3000" dirty="0">
+                  <a:solidFill>
+                    <a:srgbClr val="00FF7E"/>
+                  </a:solidFill>
+                  <a:latin typeface="BM JUA OTF" panose="02020603020101020101" pitchFamily="18" charset="-127"/>
+                  <a:ea typeface="BM JUA OTF" panose="02020603020101020101" pitchFamily="18" charset="-127"/>
+                </a:rPr>
+                <a:t>print</a:t>
+              </a:r>
+              <a:r>
+                <a:rPr kumimoji="1" lang="en-US" altLang="ko-Kore-KR" sz="3000" dirty="0">
+                  <a:solidFill>
+                    <a:schemeClr val="tx1"/>
+                  </a:solidFill>
+                  <a:latin typeface="BM JUA OTF" panose="02020603020101020101" pitchFamily="18" charset="-127"/>
+                  <a:ea typeface="BM JUA OTF" panose="02020603020101020101" pitchFamily="18" charset="-127"/>
+                </a:rPr>
+                <a:t>(</a:t>
+              </a:r>
+              <a:r>
+                <a:rPr kumimoji="1" lang="en-US" altLang="ko-Kore-KR" sz="3000" dirty="0">
+                  <a:solidFill>
+                    <a:srgbClr val="FF77D1"/>
+                  </a:solidFill>
+                  <a:latin typeface="BM JUA OTF" panose="02020603020101020101" pitchFamily="18" charset="-127"/>
+                  <a:ea typeface="BM JUA OTF" panose="02020603020101020101" pitchFamily="18" charset="-127"/>
+                </a:rPr>
+                <a:t>f</a:t>
+              </a:r>
+              <a:r>
+                <a:rPr kumimoji="1" lang="en-US" altLang="ko-KR" sz="3000" dirty="0">
+                  <a:solidFill>
+                    <a:schemeClr val="tx1"/>
+                  </a:solidFill>
+                  <a:latin typeface="BM JUA OTF" panose="02020603020101020101" pitchFamily="18" charset="-127"/>
+                  <a:ea typeface="BM JUA OTF" panose="02020603020101020101" pitchFamily="18" charset="-127"/>
+                </a:rPr>
+                <a:t>'</a:t>
+              </a:r>
+              <a:r>
+                <a:rPr kumimoji="1" lang="ko-KR" altLang="en-US" sz="3000" dirty="0">
+                  <a:solidFill>
+                    <a:schemeClr val="tx1"/>
+                  </a:solidFill>
+                  <a:latin typeface="BM JUA OTF" panose="02020603020101020101" pitchFamily="18" charset="-127"/>
+                  <a:ea typeface="BM JUA OTF" panose="02020603020101020101" pitchFamily="18" charset="-127"/>
+                </a:rPr>
+                <a:t>나무를 </a:t>
+              </a:r>
+              <a:r>
+                <a:rPr kumimoji="1" lang="en-US" altLang="ko-KR" sz="3000" dirty="0">
+                  <a:solidFill>
+                    <a:srgbClr val="FF77D1"/>
+                  </a:solidFill>
+                  <a:latin typeface="BM JUA OTF" panose="02020603020101020101" pitchFamily="18" charset="-127"/>
+                  <a:ea typeface="BM JUA OTF" panose="02020603020101020101" pitchFamily="18" charset="-127"/>
+                </a:rPr>
+                <a:t>{</a:t>
+              </a:r>
+              <a:r>
+                <a:rPr kumimoji="1" lang="en-US" altLang="ko-KR" sz="3000" dirty="0" err="1">
+                  <a:solidFill>
+                    <a:schemeClr val="tx1"/>
+                  </a:solidFill>
+                  <a:latin typeface="BM JUA OTF" panose="02020603020101020101" pitchFamily="18" charset="-127"/>
+                  <a:ea typeface="BM JUA OTF" panose="02020603020101020101" pitchFamily="18" charset="-127"/>
+                </a:rPr>
+                <a:t>treeHit</a:t>
+              </a:r>
+              <a:r>
+                <a:rPr kumimoji="1" lang="en-US" altLang="ko-KR" sz="3000" dirty="0">
+                  <a:solidFill>
+                    <a:srgbClr val="FF77D1"/>
+                  </a:solidFill>
+                  <a:latin typeface="BM JUA OTF" panose="02020603020101020101" pitchFamily="18" charset="-127"/>
+                  <a:ea typeface="BM JUA OTF" panose="02020603020101020101" pitchFamily="18" charset="-127"/>
+                </a:rPr>
+                <a:t>}</a:t>
+              </a:r>
+              <a:r>
+                <a:rPr kumimoji="1" lang="ko-KR" altLang="en-US" sz="3000" dirty="0">
+                  <a:solidFill>
+                    <a:schemeClr val="tx1"/>
+                  </a:solidFill>
+                  <a:latin typeface="BM JUA OTF" panose="02020603020101020101" pitchFamily="18" charset="-127"/>
+                  <a:ea typeface="BM JUA OTF" panose="02020603020101020101" pitchFamily="18" charset="-127"/>
+                </a:rPr>
+                <a:t>번 찍었습니다</a:t>
+              </a:r>
+              <a:r>
+                <a:rPr kumimoji="1" lang="en-US" altLang="ko-KR" sz="3000" dirty="0">
+                  <a:solidFill>
+                    <a:schemeClr val="tx1"/>
+                  </a:solidFill>
+                  <a:latin typeface="BM JUA OTF" panose="02020603020101020101" pitchFamily="18" charset="-127"/>
+                  <a:ea typeface="BM JUA OTF" panose="02020603020101020101" pitchFamily="18" charset="-127"/>
+                </a:rPr>
+                <a:t>.'</a:t>
+              </a:r>
+              <a:r>
+                <a:rPr kumimoji="1" lang="en-US" altLang="ko-Kore-KR" sz="3000" dirty="0">
+                  <a:solidFill>
+                    <a:schemeClr val="tx1"/>
+                  </a:solidFill>
+                  <a:latin typeface="BM JUA OTF" panose="02020603020101020101" pitchFamily="18" charset="-127"/>
+                  <a:ea typeface="BM JUA OTF" panose="02020603020101020101" pitchFamily="18" charset="-127"/>
+                </a:rPr>
+                <a:t>)</a:t>
+              </a:r>
+            </a:p>
+          </p:txBody>
+        </p:sp>
+        <p:sp>
+          <p:nvSpPr>
+            <p:cNvPr id="8" name="직사각형 7">
+              <a:extLst>
+                <a:ext uri="{FF2B5EF4-FFF2-40B4-BE49-F238E27FC236}">
+                  <a16:creationId xmlns:a16="http://schemas.microsoft.com/office/drawing/2014/main" id="{FF623C91-D7C5-51FE-73F0-214EF0F26A6A}"/>
+                </a:ext>
+              </a:extLst>
+            </p:cNvPr>
+            <p:cNvSpPr/>
+            <p:nvPr/>
+          </p:nvSpPr>
+          <p:spPr>
+            <a:xfrm>
+              <a:off x="1204785" y="5119816"/>
+              <a:ext cx="6573793" cy="1145060"/>
+            </a:xfrm>
+            <a:prstGeom prst="rect">
+              <a:avLst/>
+            </a:prstGeom>
+            <a:solidFill>
+              <a:schemeClr val="accent5">
+                <a:lumMod val="40000"/>
+                <a:lumOff val="60000"/>
+                <a:alpha val="30000"/>
+              </a:schemeClr>
+            </a:solidFill>
+            <a:ln>
+              <a:noFill/>
+            </a:ln>
+          </p:spPr>
+          <p:style>
+            <a:lnRef idx="2">
+              <a:schemeClr val="accent1">
+                <a:shade val="50000"/>
+              </a:schemeClr>
+            </a:lnRef>
+            <a:fillRef idx="1">
+              <a:schemeClr val="accent1"/>
+            </a:fillRef>
+            <a:effectRef idx="0">
+              <a:schemeClr val="accent1"/>
+            </a:effectRef>
+            <a:fontRef idx="minor">
+              <a:schemeClr val="lt1"/>
+            </a:fontRef>
+          </p:style>
+          <p:txBody>
+            <a:bodyPr rtlCol="0" anchor="ctr"/>
+            <a:lstStyle/>
+            <a:p>
+              <a:r>
+                <a:rPr kumimoji="1" lang="en-US" altLang="ko-Kore-KR" sz="3000" dirty="0">
+                  <a:solidFill>
+                    <a:schemeClr val="tx1"/>
+                  </a:solidFill>
+                  <a:latin typeface="BM JUA OTF" panose="02020603020101020101" pitchFamily="18" charset="-127"/>
+                  <a:ea typeface="BM JUA OTF" panose="02020603020101020101" pitchFamily="18" charset="-127"/>
+                </a:rPr>
+                <a:t>if </a:t>
+              </a:r>
+              <a:r>
+                <a:rPr kumimoji="1" lang="en-US" altLang="ko-Kore-KR" sz="3000" dirty="0" err="1">
+                  <a:solidFill>
+                    <a:schemeClr val="tx1"/>
+                  </a:solidFill>
+                  <a:latin typeface="BM JUA OTF" panose="02020603020101020101" pitchFamily="18" charset="-127"/>
+                  <a:ea typeface="BM JUA OTF" panose="02020603020101020101" pitchFamily="18" charset="-127"/>
+                </a:rPr>
+                <a:t>treeHit</a:t>
+              </a:r>
+              <a:r>
+                <a:rPr kumimoji="1" lang="en-US" altLang="ko-Kore-KR" sz="3000" dirty="0">
+                  <a:solidFill>
+                    <a:schemeClr val="tx1"/>
+                  </a:solidFill>
+                  <a:latin typeface="BM JUA OTF" panose="02020603020101020101" pitchFamily="18" charset="-127"/>
+                  <a:ea typeface="BM JUA OTF" panose="02020603020101020101" pitchFamily="18" charset="-127"/>
+                </a:rPr>
+                <a:t> </a:t>
+              </a:r>
+              <a:r>
+                <a:rPr kumimoji="1" lang="en-US" altLang="ko-Kore-KR" sz="3000" dirty="0">
+                  <a:solidFill>
+                    <a:srgbClr val="FF77D1"/>
+                  </a:solidFill>
+                  <a:latin typeface="BM JUA OTF" panose="02020603020101020101" pitchFamily="18" charset="-127"/>
+                  <a:ea typeface="BM JUA OTF" panose="02020603020101020101" pitchFamily="18" charset="-127"/>
+                </a:rPr>
+                <a:t>== </a:t>
+              </a:r>
+              <a:r>
+                <a:rPr kumimoji="1" lang="en-US" altLang="ko-Kore-KR" sz="3000" dirty="0">
+                  <a:solidFill>
+                    <a:srgbClr val="D4A0FF"/>
+                  </a:solidFill>
+                  <a:latin typeface="BM JUA OTF" panose="02020603020101020101" pitchFamily="18" charset="-127"/>
+                  <a:ea typeface="BM JUA OTF" panose="02020603020101020101" pitchFamily="18" charset="-127"/>
+                </a:rPr>
+                <a:t>10</a:t>
+              </a:r>
+              <a:r>
+                <a:rPr kumimoji="1" lang="en-US" altLang="ko-Kore-KR" sz="3000" dirty="0">
+                  <a:solidFill>
+                    <a:schemeClr val="tx1"/>
+                  </a:solidFill>
+                  <a:latin typeface="BM JUA OTF" panose="02020603020101020101" pitchFamily="18" charset="-127"/>
+                  <a:ea typeface="BM JUA OTF" panose="02020603020101020101" pitchFamily="18" charset="-127"/>
+                </a:rPr>
+                <a:t>:</a:t>
+              </a:r>
+            </a:p>
+            <a:p>
+              <a:r>
+                <a:rPr kumimoji="1" lang="en-US" altLang="ko-Kore-KR" sz="3000" dirty="0">
+                  <a:solidFill>
+                    <a:schemeClr val="tx1"/>
+                  </a:solidFill>
+                  <a:latin typeface="BM JUA OTF" panose="02020603020101020101" pitchFamily="18" charset="-127"/>
+                  <a:ea typeface="BM JUA OTF" panose="02020603020101020101" pitchFamily="18" charset="-127"/>
+                </a:rPr>
+                <a:t>	</a:t>
+              </a:r>
+              <a:r>
+                <a:rPr kumimoji="1" lang="en-US" altLang="ko-Kore-KR" sz="3000" dirty="0">
+                  <a:solidFill>
+                    <a:srgbClr val="00FF7E"/>
+                  </a:solidFill>
+                  <a:latin typeface="BM JUA OTF" panose="02020603020101020101" pitchFamily="18" charset="-127"/>
+                  <a:ea typeface="BM JUA OTF" panose="02020603020101020101" pitchFamily="18" charset="-127"/>
+                </a:rPr>
+                <a:t>print</a:t>
+              </a:r>
+              <a:r>
+                <a:rPr kumimoji="1" lang="en-US" altLang="ko-Kore-KR" sz="3000" dirty="0">
+                  <a:solidFill>
+                    <a:schemeClr val="tx1"/>
+                  </a:solidFill>
+                  <a:latin typeface="BM JUA OTF" panose="02020603020101020101" pitchFamily="18" charset="-127"/>
+                  <a:ea typeface="BM JUA OTF" panose="02020603020101020101" pitchFamily="18" charset="-127"/>
+                </a:rPr>
+                <a:t>(</a:t>
+              </a:r>
+              <a:r>
+                <a:rPr kumimoji="1" lang="en-US" altLang="ko-KR" sz="3000" dirty="0">
+                  <a:solidFill>
+                    <a:schemeClr val="tx1"/>
+                  </a:solidFill>
+                  <a:latin typeface="BM JUA OTF" panose="02020603020101020101" pitchFamily="18" charset="-127"/>
+                  <a:ea typeface="BM JUA OTF" panose="02020603020101020101" pitchFamily="18" charset="-127"/>
+                </a:rPr>
+                <a:t>“</a:t>
+              </a:r>
+              <a:r>
+                <a:rPr kumimoji="1" lang="ko-KR" altLang="en-US" sz="3000" dirty="0">
+                  <a:solidFill>
+                    <a:schemeClr val="tx1"/>
+                  </a:solidFill>
+                  <a:latin typeface="BM JUA OTF" panose="02020603020101020101" pitchFamily="18" charset="-127"/>
+                  <a:ea typeface="BM JUA OTF" panose="02020603020101020101" pitchFamily="18" charset="-127"/>
+                </a:rPr>
+                <a:t>나무 넘어갑니다</a:t>
+              </a:r>
+              <a:r>
+                <a:rPr kumimoji="1" lang="en-US" altLang="ko-KR" sz="3000" dirty="0">
+                  <a:solidFill>
+                    <a:schemeClr val="tx1"/>
+                  </a:solidFill>
+                  <a:latin typeface="BM JUA OTF" panose="02020603020101020101" pitchFamily="18" charset="-127"/>
+                  <a:ea typeface="BM JUA OTF" panose="02020603020101020101" pitchFamily="18" charset="-127"/>
+                </a:rPr>
+                <a:t>.”)</a:t>
+              </a:r>
+              <a:endParaRPr kumimoji="1" lang="en-US" altLang="ko-Kore-KR" sz="3000" dirty="0">
                 <a:solidFill>
                   <a:schemeClr val="tx1"/>
                 </a:solidFill>
                 <a:latin typeface="BM JUA OTF" panose="02020603020101020101" pitchFamily="18" charset="-127"/>
                 <a:ea typeface="BM JUA OTF" panose="02020603020101020101" pitchFamily="18" charset="-127"/>
-              </a:rPr>
-              <a:t> = 0</a:t>
-            </a:r>
-            <a:endParaRPr kumimoji="1" lang="ko-Kore-KR" altLang="en-US" sz="3000" dirty="0">
+              </a:endParaRPr>
+            </a:p>
+          </p:txBody>
+        </p:sp>
+        <p:sp>
+          <p:nvSpPr>
+            <p:cNvPr id="13" name="오른쪽 중괄호[R] 12">
+              <a:extLst>
+                <a:ext uri="{FF2B5EF4-FFF2-40B4-BE49-F238E27FC236}">
+                  <a16:creationId xmlns:a16="http://schemas.microsoft.com/office/drawing/2014/main" id="{B7946E42-C2BF-D505-1E1B-509AE9030797}"/>
+                </a:ext>
+              </a:extLst>
+            </p:cNvPr>
+            <p:cNvSpPr/>
+            <p:nvPr/>
+          </p:nvSpPr>
+          <p:spPr>
+            <a:xfrm>
+              <a:off x="7636475" y="3266301"/>
+              <a:ext cx="593124" cy="1664044"/>
+            </a:xfrm>
+            <a:prstGeom prst="rightBrace">
+              <a:avLst/>
+            </a:prstGeom>
+            <a:ln w="127000">
               <a:solidFill>
-                <a:schemeClr val="tx1"/>
+                <a:schemeClr val="bg2"/>
               </a:solidFill>
-              <a:latin typeface="BM JUA OTF" panose="02020603020101020101" pitchFamily="18" charset="-127"/>
-              <a:ea typeface="BM JUA OTF" panose="02020603020101020101" pitchFamily="18" charset="-127"/>
-            </a:endParaRPr>
-          </a:p>
-        </p:txBody>
-      </p:sp>
-      <p:sp>
-        <p:nvSpPr>
-          <p:cNvPr id="4" name="직사각형 3">
-            <a:extLst>
-              <a:ext uri="{FF2B5EF4-FFF2-40B4-BE49-F238E27FC236}">
-                <a16:creationId xmlns:a16="http://schemas.microsoft.com/office/drawing/2014/main" id="{76490373-92C1-32D0-8982-860147B77875}"/>
-              </a:ext>
-            </a:extLst>
-          </p:cNvPr>
-          <p:cNvSpPr/>
-          <p:nvPr/>
-        </p:nvSpPr>
-        <p:spPr>
-          <a:xfrm>
-            <a:off x="469557" y="2265405"/>
-            <a:ext cx="1470454" cy="753762"/>
-          </a:xfrm>
-          <a:prstGeom prst="rect">
-            <a:avLst/>
-          </a:prstGeom>
-          <a:noFill/>
-          <a:ln>
-            <a:noFill/>
-          </a:ln>
-        </p:spPr>
-        <p:style>
-          <a:lnRef idx="2">
-            <a:schemeClr val="accent1">
-              <a:shade val="50000"/>
-            </a:schemeClr>
-          </a:lnRef>
-          <a:fillRef idx="1">
-            <a:schemeClr val="accent1"/>
-          </a:fillRef>
-          <a:effectRef idx="0">
-            <a:schemeClr val="accent1"/>
-          </a:effectRef>
-          <a:fontRef idx="minor">
-            <a:schemeClr val="lt1"/>
-          </a:fontRef>
-        </p:style>
-        <p:txBody>
-          <a:bodyPr rtlCol="0" anchor="ctr"/>
-          <a:lstStyle/>
-          <a:p>
-            <a:pPr algn="ctr"/>
-            <a:r>
-              <a:rPr kumimoji="1" lang="en-US" altLang="ko-Kore-KR" sz="3000" dirty="0">
-                <a:solidFill>
-                  <a:schemeClr val="tx1"/>
-                </a:solidFill>
+            </a:ln>
+          </p:spPr>
+          <p:style>
+            <a:lnRef idx="1">
+              <a:schemeClr val="accent1"/>
+            </a:lnRef>
+            <a:fillRef idx="0">
+              <a:schemeClr val="accent1"/>
+            </a:fillRef>
+            <a:effectRef idx="0">
+              <a:schemeClr val="accent1"/>
+            </a:effectRef>
+            <a:fontRef idx="minor">
+              <a:schemeClr val="tx1"/>
+            </a:fontRef>
+          </p:style>
+          <p:txBody>
+            <a:bodyPr rtlCol="0" anchor="ctr"/>
+            <a:lstStyle/>
+            <a:p>
+              <a:pPr algn="ctr"/>
+              <a:endParaRPr kumimoji="1" lang="ko-Kore-KR" altLang="en-US">
                 <a:latin typeface="BM JUA OTF" panose="02020603020101020101" pitchFamily="18" charset="-127"/>
                 <a:ea typeface="BM JUA OTF" panose="02020603020101020101" pitchFamily="18" charset="-127"/>
-              </a:rPr>
-              <a:t>while</a:t>
-            </a:r>
-            <a:endParaRPr kumimoji="1" lang="ko-Kore-KR" altLang="en-US" sz="3000" dirty="0">
-              <a:solidFill>
-                <a:schemeClr val="tx1"/>
-              </a:solidFill>
-              <a:latin typeface="BM JUA OTF" panose="02020603020101020101" pitchFamily="18" charset="-127"/>
-              <a:ea typeface="BM JUA OTF" panose="02020603020101020101" pitchFamily="18" charset="-127"/>
-            </a:endParaRPr>
-          </a:p>
-        </p:txBody>
-      </p:sp>
-      <p:sp>
-        <p:nvSpPr>
-          <p:cNvPr id="5" name="직사각형 4">
-            <a:extLst>
-              <a:ext uri="{FF2B5EF4-FFF2-40B4-BE49-F238E27FC236}">
-                <a16:creationId xmlns:a16="http://schemas.microsoft.com/office/drawing/2014/main" id="{41C8E634-73B9-A7BE-BF4C-E75F647C69BB}"/>
-              </a:ext>
-            </a:extLst>
-          </p:cNvPr>
-          <p:cNvSpPr/>
-          <p:nvPr/>
-        </p:nvSpPr>
-        <p:spPr>
-          <a:xfrm>
-            <a:off x="1717589" y="2265405"/>
-            <a:ext cx="2404218" cy="753762"/>
-          </a:xfrm>
-          <a:prstGeom prst="rect">
-            <a:avLst/>
-          </a:prstGeom>
-          <a:solidFill>
-            <a:schemeClr val="accent5">
-              <a:lumMod val="40000"/>
-              <a:lumOff val="60000"/>
-              <a:alpha val="30000"/>
-            </a:schemeClr>
-          </a:solidFill>
-          <a:ln>
-            <a:noFill/>
-          </a:ln>
-        </p:spPr>
-        <p:style>
-          <a:lnRef idx="2">
-            <a:schemeClr val="accent1">
-              <a:shade val="50000"/>
-            </a:schemeClr>
-          </a:lnRef>
-          <a:fillRef idx="1">
-            <a:schemeClr val="accent1"/>
-          </a:fillRef>
-          <a:effectRef idx="0">
-            <a:schemeClr val="accent1"/>
-          </a:effectRef>
-          <a:fontRef idx="minor">
-            <a:schemeClr val="lt1"/>
-          </a:fontRef>
-        </p:style>
-        <p:txBody>
-          <a:bodyPr rtlCol="0" anchor="ctr"/>
-          <a:lstStyle/>
-          <a:p>
-            <a:pPr algn="ctr"/>
-            <a:r>
-              <a:rPr kumimoji="1" lang="en-US" altLang="ko-Kore-KR" sz="3000" dirty="0" err="1">
-                <a:solidFill>
-                  <a:schemeClr val="tx1"/>
-                </a:solidFill>
-                <a:latin typeface="BM JUA OTF" panose="02020603020101020101" pitchFamily="18" charset="-127"/>
-                <a:ea typeface="BM JUA OTF" panose="02020603020101020101" pitchFamily="18" charset="-127"/>
-              </a:rPr>
-              <a:t>treeHit</a:t>
-            </a:r>
-            <a:r>
-              <a:rPr kumimoji="1" lang="en-US" altLang="ko-Kore-KR" sz="3000" dirty="0">
-                <a:solidFill>
-                  <a:schemeClr val="tx1"/>
-                </a:solidFill>
-                <a:latin typeface="BM JUA OTF" panose="02020603020101020101" pitchFamily="18" charset="-127"/>
-                <a:ea typeface="BM JUA OTF" panose="02020603020101020101" pitchFamily="18" charset="-127"/>
-              </a:rPr>
-              <a:t> &lt; 10:</a:t>
-            </a:r>
-            <a:endParaRPr kumimoji="1" lang="ko-Kore-KR" altLang="en-US" sz="3000" dirty="0">
-              <a:solidFill>
-                <a:schemeClr val="tx1"/>
-              </a:solidFill>
-              <a:latin typeface="BM JUA OTF" panose="02020603020101020101" pitchFamily="18" charset="-127"/>
-              <a:ea typeface="BM JUA OTF" panose="02020603020101020101" pitchFamily="18" charset="-127"/>
-            </a:endParaRPr>
-          </a:p>
-        </p:txBody>
-      </p:sp>
-      <p:sp>
-        <p:nvSpPr>
-          <p:cNvPr id="6" name="직사각형 5">
-            <a:extLst>
-              <a:ext uri="{FF2B5EF4-FFF2-40B4-BE49-F238E27FC236}">
-                <a16:creationId xmlns:a16="http://schemas.microsoft.com/office/drawing/2014/main" id="{ADD99A6E-CB5F-BA68-D73C-DB95C8FF65A8}"/>
-              </a:ext>
-            </a:extLst>
-          </p:cNvPr>
-          <p:cNvSpPr/>
-          <p:nvPr/>
-        </p:nvSpPr>
-        <p:spPr>
-          <a:xfrm>
-            <a:off x="1204784" y="3220994"/>
-            <a:ext cx="2236574" cy="753762"/>
-          </a:xfrm>
-          <a:prstGeom prst="rect">
-            <a:avLst/>
-          </a:prstGeom>
-          <a:solidFill>
-            <a:schemeClr val="accent5">
-              <a:lumMod val="40000"/>
-              <a:lumOff val="60000"/>
-              <a:alpha val="30000"/>
-            </a:schemeClr>
-          </a:solidFill>
-          <a:ln>
-            <a:noFill/>
-          </a:ln>
-        </p:spPr>
-        <p:style>
-          <a:lnRef idx="2">
-            <a:schemeClr val="accent1">
-              <a:shade val="50000"/>
-            </a:schemeClr>
-          </a:lnRef>
-          <a:fillRef idx="1">
-            <a:schemeClr val="accent1"/>
-          </a:fillRef>
-          <a:effectRef idx="0">
-            <a:schemeClr val="accent1"/>
-          </a:effectRef>
-          <a:fontRef idx="minor">
-            <a:schemeClr val="lt1"/>
-          </a:fontRef>
-        </p:style>
-        <p:txBody>
-          <a:bodyPr rtlCol="0" anchor="ctr"/>
-          <a:lstStyle/>
-          <a:p>
-            <a:pPr algn="ctr"/>
-            <a:r>
-              <a:rPr kumimoji="1" lang="en-US" altLang="ko-Kore-KR" sz="3000" dirty="0" err="1">
-                <a:solidFill>
-                  <a:schemeClr val="tx1"/>
-                </a:solidFill>
-                <a:latin typeface="BM JUA OTF" panose="02020603020101020101" pitchFamily="18" charset="-127"/>
-                <a:ea typeface="BM JUA OTF" panose="02020603020101020101" pitchFamily="18" charset="-127"/>
-              </a:rPr>
-              <a:t>treeHit</a:t>
-            </a:r>
-            <a:r>
-              <a:rPr kumimoji="1" lang="en-US" altLang="ko-Kore-KR" sz="3000" dirty="0">
-                <a:solidFill>
-                  <a:schemeClr val="tx1"/>
-                </a:solidFill>
-                <a:latin typeface="BM JUA OTF" panose="02020603020101020101" pitchFamily="18" charset="-127"/>
-                <a:ea typeface="BM JUA OTF" panose="02020603020101020101" pitchFamily="18" charset="-127"/>
-              </a:rPr>
-              <a:t> += 1</a:t>
-            </a:r>
-            <a:endParaRPr kumimoji="1" lang="ko-Kore-KR" altLang="en-US" sz="3000" dirty="0">
-              <a:solidFill>
-                <a:schemeClr val="tx1"/>
-              </a:solidFill>
-              <a:latin typeface="BM JUA OTF" panose="02020603020101020101" pitchFamily="18" charset="-127"/>
-              <a:ea typeface="BM JUA OTF" panose="02020603020101020101" pitchFamily="18" charset="-127"/>
-            </a:endParaRPr>
-          </a:p>
-        </p:txBody>
-      </p:sp>
-      <p:sp>
-        <p:nvSpPr>
-          <p:cNvPr id="7" name="직사각형 6">
-            <a:extLst>
-              <a:ext uri="{FF2B5EF4-FFF2-40B4-BE49-F238E27FC236}">
-                <a16:creationId xmlns:a16="http://schemas.microsoft.com/office/drawing/2014/main" id="{8E93CFA0-B21C-27DB-0A93-187BBB15E793}"/>
-              </a:ext>
-            </a:extLst>
-          </p:cNvPr>
-          <p:cNvSpPr/>
-          <p:nvPr/>
-        </p:nvSpPr>
-        <p:spPr>
-          <a:xfrm>
-            <a:off x="624017" y="4065373"/>
-            <a:ext cx="7309020" cy="753762"/>
-          </a:xfrm>
-          <a:prstGeom prst="rect">
-            <a:avLst/>
-          </a:prstGeom>
-          <a:noFill/>
-          <a:ln>
-            <a:noFill/>
-          </a:ln>
-        </p:spPr>
-        <p:style>
-          <a:lnRef idx="2">
-            <a:schemeClr val="accent1">
-              <a:shade val="50000"/>
-            </a:schemeClr>
-          </a:lnRef>
-          <a:fillRef idx="1">
-            <a:schemeClr val="accent1"/>
-          </a:fillRef>
-          <a:effectRef idx="0">
-            <a:schemeClr val="accent1"/>
-          </a:effectRef>
-          <a:fontRef idx="minor">
-            <a:schemeClr val="lt1"/>
-          </a:fontRef>
-        </p:style>
-        <p:txBody>
-          <a:bodyPr rtlCol="0" anchor="ctr"/>
-          <a:lstStyle/>
-          <a:p>
-            <a:pPr algn="ctr"/>
-            <a:r>
-              <a:rPr kumimoji="1" lang="en-US" altLang="ko-Kore-KR" sz="3000" dirty="0">
-                <a:solidFill>
-                  <a:schemeClr val="tx1"/>
-                </a:solidFill>
-                <a:latin typeface="BM JUA OTF" panose="02020603020101020101" pitchFamily="18" charset="-127"/>
-                <a:ea typeface="BM JUA OTF" panose="02020603020101020101" pitchFamily="18" charset="-127"/>
-              </a:rPr>
-              <a:t>print(f</a:t>
-            </a:r>
-            <a:r>
-              <a:rPr kumimoji="1" lang="en-US" altLang="ko-KR" sz="3000" dirty="0">
-                <a:solidFill>
-                  <a:schemeClr val="tx1"/>
-                </a:solidFill>
-                <a:latin typeface="BM JUA OTF" panose="02020603020101020101" pitchFamily="18" charset="-127"/>
-                <a:ea typeface="BM JUA OTF" panose="02020603020101020101" pitchFamily="18" charset="-127"/>
-              </a:rPr>
-              <a:t>'</a:t>
-            </a:r>
-            <a:r>
-              <a:rPr kumimoji="1" lang="ko-KR" altLang="en-US" sz="3000" dirty="0">
-                <a:solidFill>
-                  <a:schemeClr val="tx1"/>
-                </a:solidFill>
-                <a:latin typeface="BM JUA OTF" panose="02020603020101020101" pitchFamily="18" charset="-127"/>
-                <a:ea typeface="BM JUA OTF" panose="02020603020101020101" pitchFamily="18" charset="-127"/>
-              </a:rPr>
-              <a:t>나무를 </a:t>
-            </a:r>
-            <a:r>
-              <a:rPr kumimoji="1" lang="en-US" altLang="ko-KR" sz="3000" dirty="0">
-                <a:solidFill>
-                  <a:schemeClr val="tx1"/>
-                </a:solidFill>
-                <a:latin typeface="BM JUA OTF" panose="02020603020101020101" pitchFamily="18" charset="-127"/>
-                <a:ea typeface="BM JUA OTF" panose="02020603020101020101" pitchFamily="18" charset="-127"/>
-              </a:rPr>
-              <a:t>{</a:t>
-            </a:r>
-            <a:r>
-              <a:rPr kumimoji="1" lang="en-US" altLang="ko-KR" sz="3000" dirty="0" err="1">
-                <a:solidFill>
-                  <a:schemeClr val="tx1"/>
-                </a:solidFill>
-                <a:latin typeface="BM JUA OTF" panose="02020603020101020101" pitchFamily="18" charset="-127"/>
-                <a:ea typeface="BM JUA OTF" panose="02020603020101020101" pitchFamily="18" charset="-127"/>
-              </a:rPr>
-              <a:t>treeHit</a:t>
-            </a:r>
-            <a:r>
-              <a:rPr kumimoji="1" lang="en-US" altLang="ko-KR" sz="3000" dirty="0">
-                <a:solidFill>
-                  <a:schemeClr val="tx1"/>
-                </a:solidFill>
-                <a:latin typeface="BM JUA OTF" panose="02020603020101020101" pitchFamily="18" charset="-127"/>
-                <a:ea typeface="BM JUA OTF" panose="02020603020101020101" pitchFamily="18" charset="-127"/>
-              </a:rPr>
-              <a:t>}</a:t>
-            </a:r>
-            <a:r>
-              <a:rPr kumimoji="1" lang="ko-KR" altLang="en-US" sz="3000" dirty="0">
-                <a:solidFill>
-                  <a:schemeClr val="tx1"/>
-                </a:solidFill>
-                <a:latin typeface="BM JUA OTF" panose="02020603020101020101" pitchFamily="18" charset="-127"/>
-                <a:ea typeface="BM JUA OTF" panose="02020603020101020101" pitchFamily="18" charset="-127"/>
-              </a:rPr>
-              <a:t>번 찍었습니다</a:t>
-            </a:r>
-            <a:r>
-              <a:rPr kumimoji="1" lang="en-US" altLang="ko-KR" sz="3000" dirty="0">
-                <a:solidFill>
-                  <a:schemeClr val="tx1"/>
-                </a:solidFill>
-                <a:latin typeface="BM JUA OTF" panose="02020603020101020101" pitchFamily="18" charset="-127"/>
-                <a:ea typeface="BM JUA OTF" panose="02020603020101020101" pitchFamily="18" charset="-127"/>
-              </a:rPr>
-              <a:t>.'</a:t>
-            </a:r>
-            <a:r>
-              <a:rPr kumimoji="1" lang="en-US" altLang="ko-Kore-KR" sz="3000" dirty="0">
-                <a:solidFill>
-                  <a:schemeClr val="tx1"/>
-                </a:solidFill>
-                <a:latin typeface="BM JUA OTF" panose="02020603020101020101" pitchFamily="18" charset="-127"/>
-                <a:ea typeface="BM JUA OTF" panose="02020603020101020101" pitchFamily="18" charset="-127"/>
-              </a:rPr>
-              <a:t>)</a:t>
-            </a:r>
-          </a:p>
-        </p:txBody>
-      </p:sp>
-      <p:sp>
-        <p:nvSpPr>
-          <p:cNvPr id="8" name="직사각형 7">
-            <a:extLst>
-              <a:ext uri="{FF2B5EF4-FFF2-40B4-BE49-F238E27FC236}">
-                <a16:creationId xmlns:a16="http://schemas.microsoft.com/office/drawing/2014/main" id="{FF623C91-D7C5-51FE-73F0-214EF0F26A6A}"/>
-              </a:ext>
-            </a:extLst>
-          </p:cNvPr>
-          <p:cNvSpPr/>
-          <p:nvPr/>
-        </p:nvSpPr>
-        <p:spPr>
-          <a:xfrm>
-            <a:off x="1204785" y="5119816"/>
-            <a:ext cx="6573793" cy="1145060"/>
-          </a:xfrm>
-          <a:prstGeom prst="rect">
-            <a:avLst/>
-          </a:prstGeom>
-          <a:solidFill>
-            <a:schemeClr val="accent5">
-              <a:lumMod val="40000"/>
-              <a:lumOff val="60000"/>
-              <a:alpha val="30000"/>
-            </a:schemeClr>
-          </a:solidFill>
-          <a:ln>
-            <a:noFill/>
-          </a:ln>
-        </p:spPr>
-        <p:style>
-          <a:lnRef idx="2">
-            <a:schemeClr val="accent1">
-              <a:shade val="50000"/>
-            </a:schemeClr>
-          </a:lnRef>
-          <a:fillRef idx="1">
-            <a:schemeClr val="accent1"/>
-          </a:fillRef>
-          <a:effectRef idx="0">
-            <a:schemeClr val="accent1"/>
-          </a:effectRef>
-          <a:fontRef idx="minor">
-            <a:schemeClr val="lt1"/>
-          </a:fontRef>
-        </p:style>
-        <p:txBody>
-          <a:bodyPr rtlCol="0" anchor="ctr"/>
-          <a:lstStyle/>
-          <a:p>
-            <a:r>
-              <a:rPr kumimoji="1" lang="en-US" altLang="ko-Kore-KR" sz="3000" dirty="0">
-                <a:solidFill>
-                  <a:schemeClr val="tx1"/>
-                </a:solidFill>
-                <a:latin typeface="BM JUA OTF" panose="02020603020101020101" pitchFamily="18" charset="-127"/>
-                <a:ea typeface="BM JUA OTF" panose="02020603020101020101" pitchFamily="18" charset="-127"/>
-              </a:rPr>
-              <a:t>If </a:t>
-            </a:r>
-            <a:r>
-              <a:rPr kumimoji="1" lang="en-US" altLang="ko-Kore-KR" sz="3000" dirty="0" err="1">
-                <a:solidFill>
-                  <a:schemeClr val="tx1"/>
-                </a:solidFill>
-                <a:latin typeface="BM JUA OTF" panose="02020603020101020101" pitchFamily="18" charset="-127"/>
-                <a:ea typeface="BM JUA OTF" panose="02020603020101020101" pitchFamily="18" charset="-127"/>
-              </a:rPr>
-              <a:t>treeHit</a:t>
-            </a:r>
-            <a:r>
-              <a:rPr kumimoji="1" lang="en-US" altLang="ko-Kore-KR" sz="3000" dirty="0">
-                <a:solidFill>
-                  <a:schemeClr val="tx1"/>
-                </a:solidFill>
-                <a:latin typeface="BM JUA OTF" panose="02020603020101020101" pitchFamily="18" charset="-127"/>
-                <a:ea typeface="BM JUA OTF" panose="02020603020101020101" pitchFamily="18" charset="-127"/>
-              </a:rPr>
-              <a:t> == 10:</a:t>
-            </a:r>
-          </a:p>
-          <a:p>
-            <a:r>
-              <a:rPr kumimoji="1" lang="en-US" altLang="ko-Kore-KR" sz="3000" dirty="0">
-                <a:solidFill>
-                  <a:schemeClr val="tx1"/>
-                </a:solidFill>
-                <a:latin typeface="BM JUA OTF" panose="02020603020101020101" pitchFamily="18" charset="-127"/>
-                <a:ea typeface="BM JUA OTF" panose="02020603020101020101" pitchFamily="18" charset="-127"/>
-              </a:rPr>
-              <a:t>	print(</a:t>
-            </a:r>
-            <a:r>
-              <a:rPr kumimoji="1" lang="en-US" altLang="ko-KR" sz="3000" dirty="0">
-                <a:solidFill>
-                  <a:schemeClr val="tx1"/>
-                </a:solidFill>
-                <a:latin typeface="BM JUA OTF" panose="02020603020101020101" pitchFamily="18" charset="-127"/>
-                <a:ea typeface="BM JUA OTF" panose="02020603020101020101" pitchFamily="18" charset="-127"/>
-              </a:rPr>
-              <a:t>“</a:t>
-            </a:r>
-            <a:r>
-              <a:rPr kumimoji="1" lang="ko-KR" altLang="en-US" sz="3000" dirty="0">
-                <a:solidFill>
-                  <a:schemeClr val="tx1"/>
-                </a:solidFill>
-                <a:latin typeface="BM JUA OTF" panose="02020603020101020101" pitchFamily="18" charset="-127"/>
-                <a:ea typeface="BM JUA OTF" panose="02020603020101020101" pitchFamily="18" charset="-127"/>
-              </a:rPr>
-              <a:t>나무 넘어갑니다</a:t>
-            </a:r>
-            <a:r>
-              <a:rPr kumimoji="1" lang="en-US" altLang="ko-KR" sz="3000" dirty="0">
-                <a:solidFill>
-                  <a:schemeClr val="tx1"/>
-                </a:solidFill>
-                <a:latin typeface="BM JUA OTF" panose="02020603020101020101" pitchFamily="18" charset="-127"/>
-                <a:ea typeface="BM JUA OTF" panose="02020603020101020101" pitchFamily="18" charset="-127"/>
-              </a:rPr>
-              <a:t>.”)</a:t>
-            </a:r>
-            <a:endParaRPr kumimoji="1" lang="en-US" altLang="ko-Kore-KR" sz="3000" dirty="0">
-              <a:solidFill>
-                <a:schemeClr val="tx1"/>
-              </a:solidFill>
-              <a:latin typeface="BM JUA OTF" panose="02020603020101020101" pitchFamily="18" charset="-127"/>
-              <a:ea typeface="BM JUA OTF" panose="02020603020101020101" pitchFamily="18" charset="-127"/>
-            </a:endParaRPr>
-          </a:p>
-        </p:txBody>
-      </p:sp>
-      <p:sp>
-        <p:nvSpPr>
-          <p:cNvPr id="13" name="오른쪽 중괄호[R] 12">
-            <a:extLst>
-              <a:ext uri="{FF2B5EF4-FFF2-40B4-BE49-F238E27FC236}">
-                <a16:creationId xmlns:a16="http://schemas.microsoft.com/office/drawing/2014/main" id="{B7946E42-C2BF-D505-1E1B-509AE9030797}"/>
-              </a:ext>
-            </a:extLst>
-          </p:cNvPr>
-          <p:cNvSpPr/>
-          <p:nvPr/>
-        </p:nvSpPr>
-        <p:spPr>
-          <a:xfrm>
-            <a:off x="7636475" y="3266301"/>
-            <a:ext cx="593124" cy="1664044"/>
-          </a:xfrm>
-          <a:prstGeom prst="rightBrace">
-            <a:avLst/>
-          </a:prstGeom>
-          <a:ln w="127000">
+              </a:endParaRPr>
+            </a:p>
+          </p:txBody>
+        </p:sp>
+        <p:sp>
+          <p:nvSpPr>
+            <p:cNvPr id="15" name="왼쪽 화살표[L] 14">
+              <a:extLst>
+                <a:ext uri="{FF2B5EF4-FFF2-40B4-BE49-F238E27FC236}">
+                  <a16:creationId xmlns:a16="http://schemas.microsoft.com/office/drawing/2014/main" id="{6BE80D30-9AF3-9C98-2808-529B9B6BADC1}"/>
+                </a:ext>
+              </a:extLst>
+            </p:cNvPr>
+            <p:cNvSpPr/>
+            <p:nvPr/>
+          </p:nvSpPr>
+          <p:spPr>
+            <a:xfrm rot="19447144">
+              <a:off x="2753839" y="821335"/>
+              <a:ext cx="642137" cy="370703"/>
+            </a:xfrm>
+            <a:prstGeom prst="leftArrow">
+              <a:avLst/>
+            </a:prstGeom>
             <a:solidFill>
               <a:schemeClr val="bg2"/>
             </a:solidFill>
-          </a:ln>
-        </p:spPr>
-        <p:style>
-          <a:lnRef idx="1">
-            <a:schemeClr val="accent1"/>
-          </a:lnRef>
-          <a:fillRef idx="0">
-            <a:schemeClr val="accent1"/>
-          </a:fillRef>
-          <a:effectRef idx="0">
-            <a:schemeClr val="accent1"/>
-          </a:effectRef>
-          <a:fontRef idx="minor">
-            <a:schemeClr val="tx1"/>
-          </a:fontRef>
-        </p:style>
-        <p:txBody>
-          <a:bodyPr rtlCol="0" anchor="ctr"/>
-          <a:lstStyle/>
-          <a:p>
-            <a:pPr algn="ctr"/>
-            <a:endParaRPr kumimoji="1" lang="ko-Kore-KR" altLang="en-US">
-              <a:latin typeface="BM JUA OTF" panose="02020603020101020101" pitchFamily="18" charset="-127"/>
-              <a:ea typeface="BM JUA OTF" panose="02020603020101020101" pitchFamily="18" charset="-127"/>
-            </a:endParaRPr>
-          </a:p>
-        </p:txBody>
-      </p:sp>
-      <p:sp>
-        <p:nvSpPr>
-          <p:cNvPr id="15" name="왼쪽 화살표[L] 14">
-            <a:extLst>
-              <a:ext uri="{FF2B5EF4-FFF2-40B4-BE49-F238E27FC236}">
-                <a16:creationId xmlns:a16="http://schemas.microsoft.com/office/drawing/2014/main" id="{6BE80D30-9AF3-9C98-2808-529B9B6BADC1}"/>
-              </a:ext>
-            </a:extLst>
-          </p:cNvPr>
-          <p:cNvSpPr/>
-          <p:nvPr/>
-        </p:nvSpPr>
-        <p:spPr>
-          <a:xfrm rot="19447144">
-            <a:off x="2753839" y="821335"/>
-            <a:ext cx="642137" cy="370703"/>
-          </a:xfrm>
-          <a:prstGeom prst="leftArrow">
-            <a:avLst/>
-          </a:prstGeom>
-          <a:solidFill>
-            <a:schemeClr val="bg2"/>
-          </a:solidFill>
-          <a:ln>
-            <a:noFill/>
-          </a:ln>
-        </p:spPr>
-        <p:style>
-          <a:lnRef idx="2">
-            <a:schemeClr val="accent1">
-              <a:shade val="50000"/>
-            </a:schemeClr>
-          </a:lnRef>
-          <a:fillRef idx="1">
-            <a:schemeClr val="accent1"/>
-          </a:fillRef>
-          <a:effectRef idx="0">
-            <a:schemeClr val="accent1"/>
-          </a:effectRef>
-          <a:fontRef idx="minor">
-            <a:schemeClr val="lt1"/>
-          </a:fontRef>
-        </p:style>
-        <p:txBody>
-          <a:bodyPr rtlCol="0" anchor="ctr"/>
-          <a:lstStyle/>
-          <a:p>
-            <a:pPr algn="ctr"/>
-            <a:endParaRPr kumimoji="1" lang="ko-Kore-KR" altLang="en-US">
-              <a:latin typeface="BM JUA OTF" panose="02020603020101020101" pitchFamily="18" charset="-127"/>
-              <a:ea typeface="BM JUA OTF" panose="02020603020101020101" pitchFamily="18" charset="-127"/>
-            </a:endParaRPr>
-          </a:p>
-        </p:txBody>
-      </p:sp>
-      <p:sp>
-        <p:nvSpPr>
-          <p:cNvPr id="16" name="왼쪽 화살표[L] 15">
-            <a:extLst>
-              <a:ext uri="{FF2B5EF4-FFF2-40B4-BE49-F238E27FC236}">
-                <a16:creationId xmlns:a16="http://schemas.microsoft.com/office/drawing/2014/main" id="{65765401-675D-4B0E-545E-7FB758951E7B}"/>
-              </a:ext>
-            </a:extLst>
-          </p:cNvPr>
-          <p:cNvSpPr/>
-          <p:nvPr/>
-        </p:nvSpPr>
-        <p:spPr>
-          <a:xfrm rot="19447144">
-            <a:off x="4082618" y="1966123"/>
-            <a:ext cx="642137" cy="370703"/>
-          </a:xfrm>
-          <a:prstGeom prst="leftArrow">
-            <a:avLst/>
-          </a:prstGeom>
-          <a:solidFill>
-            <a:schemeClr val="bg2"/>
-          </a:solidFill>
-          <a:ln>
-            <a:noFill/>
-          </a:ln>
-        </p:spPr>
-        <p:style>
-          <a:lnRef idx="2">
-            <a:schemeClr val="accent1">
-              <a:shade val="50000"/>
-            </a:schemeClr>
-          </a:lnRef>
-          <a:fillRef idx="1">
-            <a:schemeClr val="accent1"/>
-          </a:fillRef>
-          <a:effectRef idx="0">
-            <a:schemeClr val="accent1"/>
-          </a:effectRef>
-          <a:fontRef idx="minor">
-            <a:schemeClr val="lt1"/>
-          </a:fontRef>
-        </p:style>
-        <p:txBody>
-          <a:bodyPr rtlCol="0" anchor="ctr"/>
-          <a:lstStyle/>
-          <a:p>
-            <a:pPr algn="ctr"/>
-            <a:endParaRPr kumimoji="1" lang="ko-Kore-KR" altLang="en-US">
-              <a:latin typeface="BM JUA OTF" panose="02020603020101020101" pitchFamily="18" charset="-127"/>
-              <a:ea typeface="BM JUA OTF" panose="02020603020101020101" pitchFamily="18" charset="-127"/>
-            </a:endParaRPr>
-          </a:p>
-        </p:txBody>
-      </p:sp>
-      <p:sp>
-        <p:nvSpPr>
-          <p:cNvPr id="17" name="TextBox 16">
-            <a:extLst>
-              <a:ext uri="{FF2B5EF4-FFF2-40B4-BE49-F238E27FC236}">
-                <a16:creationId xmlns:a16="http://schemas.microsoft.com/office/drawing/2014/main" id="{A01DE26A-1141-1DA7-B88E-F0A3304A2294}"/>
-              </a:ext>
-            </a:extLst>
-          </p:cNvPr>
-          <p:cNvSpPr txBox="1"/>
-          <p:nvPr/>
-        </p:nvSpPr>
-        <p:spPr>
-          <a:xfrm>
-            <a:off x="3279196" y="417174"/>
-            <a:ext cx="1495168" cy="477054"/>
-          </a:xfrm>
-          <a:prstGeom prst="rect">
-            <a:avLst/>
-          </a:prstGeom>
-          <a:noFill/>
-        </p:spPr>
-        <p:txBody>
-          <a:bodyPr wrap="square" rtlCol="0">
-            <a:spAutoFit/>
-          </a:bodyPr>
-          <a:lstStyle/>
-          <a:p>
-            <a:r>
-              <a:rPr kumimoji="1" lang="ko-Kore-KR" altLang="en-US" sz="2500" dirty="0">
+            <a:ln>
+              <a:noFill/>
+            </a:ln>
+          </p:spPr>
+          <p:style>
+            <a:lnRef idx="2">
+              <a:schemeClr val="accent1">
+                <a:shade val="50000"/>
+              </a:schemeClr>
+            </a:lnRef>
+            <a:fillRef idx="1">
+              <a:schemeClr val="accent1"/>
+            </a:fillRef>
+            <a:effectRef idx="0">
+              <a:schemeClr val="accent1"/>
+            </a:effectRef>
+            <a:fontRef idx="minor">
+              <a:schemeClr val="lt1"/>
+            </a:fontRef>
+          </p:style>
+          <p:txBody>
+            <a:bodyPr rtlCol="0" anchor="ctr"/>
+            <a:lstStyle/>
+            <a:p>
+              <a:pPr algn="ctr"/>
+              <a:endParaRPr kumimoji="1" lang="ko-Kore-KR" altLang="en-US">
                 <a:latin typeface="BM JUA OTF" panose="02020603020101020101" pitchFamily="18" charset="-127"/>
                 <a:ea typeface="BM JUA OTF" panose="02020603020101020101" pitchFamily="18" charset="-127"/>
-              </a:rPr>
-              <a:t>초기식</a:t>
-            </a:r>
-          </a:p>
-        </p:txBody>
-      </p:sp>
-      <p:sp>
-        <p:nvSpPr>
-          <p:cNvPr id="18" name="TextBox 17">
-            <a:extLst>
-              <a:ext uri="{FF2B5EF4-FFF2-40B4-BE49-F238E27FC236}">
-                <a16:creationId xmlns:a16="http://schemas.microsoft.com/office/drawing/2014/main" id="{40C4365C-D4A3-EF10-09E7-369C2C70E78E}"/>
-              </a:ext>
-            </a:extLst>
-          </p:cNvPr>
-          <p:cNvSpPr txBox="1"/>
-          <p:nvPr/>
-        </p:nvSpPr>
-        <p:spPr>
-          <a:xfrm>
-            <a:off x="4665504" y="1654568"/>
-            <a:ext cx="1495168" cy="477054"/>
-          </a:xfrm>
-          <a:prstGeom prst="rect">
-            <a:avLst/>
-          </a:prstGeom>
-          <a:noFill/>
-        </p:spPr>
-        <p:txBody>
-          <a:bodyPr wrap="square" rtlCol="0">
-            <a:spAutoFit/>
-          </a:bodyPr>
-          <a:lstStyle/>
-          <a:p>
-            <a:r>
-              <a:rPr kumimoji="1" lang="ko-Kore-KR" altLang="en-US" sz="2500" dirty="0">
+              </a:endParaRPr>
+            </a:p>
+          </p:txBody>
+        </p:sp>
+        <p:sp>
+          <p:nvSpPr>
+            <p:cNvPr id="16" name="왼쪽 화살표[L] 15">
+              <a:extLst>
+                <a:ext uri="{FF2B5EF4-FFF2-40B4-BE49-F238E27FC236}">
+                  <a16:creationId xmlns:a16="http://schemas.microsoft.com/office/drawing/2014/main" id="{65765401-675D-4B0E-545E-7FB758951E7B}"/>
+                </a:ext>
+              </a:extLst>
+            </p:cNvPr>
+            <p:cNvSpPr/>
+            <p:nvPr/>
+          </p:nvSpPr>
+          <p:spPr>
+            <a:xfrm rot="19447144">
+              <a:off x="4082618" y="1966123"/>
+              <a:ext cx="642137" cy="370703"/>
+            </a:xfrm>
+            <a:prstGeom prst="leftArrow">
+              <a:avLst/>
+            </a:prstGeom>
+            <a:solidFill>
+              <a:schemeClr val="bg2"/>
+            </a:solidFill>
+            <a:ln>
+              <a:noFill/>
+            </a:ln>
+          </p:spPr>
+          <p:style>
+            <a:lnRef idx="2">
+              <a:schemeClr val="accent1">
+                <a:shade val="50000"/>
+              </a:schemeClr>
+            </a:lnRef>
+            <a:fillRef idx="1">
+              <a:schemeClr val="accent1"/>
+            </a:fillRef>
+            <a:effectRef idx="0">
+              <a:schemeClr val="accent1"/>
+            </a:effectRef>
+            <a:fontRef idx="minor">
+              <a:schemeClr val="lt1"/>
+            </a:fontRef>
+          </p:style>
+          <p:txBody>
+            <a:bodyPr rtlCol="0" anchor="ctr"/>
+            <a:lstStyle/>
+            <a:p>
+              <a:pPr algn="ctr"/>
+              <a:endParaRPr kumimoji="1" lang="ko-Kore-KR" altLang="en-US">
                 <a:latin typeface="BM JUA OTF" panose="02020603020101020101" pitchFamily="18" charset="-127"/>
                 <a:ea typeface="BM JUA OTF" panose="02020603020101020101" pitchFamily="18" charset="-127"/>
-              </a:rPr>
-              <a:t>조건식</a:t>
-            </a:r>
-          </a:p>
-        </p:txBody>
-      </p:sp>
-      <p:sp>
-        <p:nvSpPr>
-          <p:cNvPr id="19" name="TextBox 18">
-            <a:extLst>
-              <a:ext uri="{FF2B5EF4-FFF2-40B4-BE49-F238E27FC236}">
-                <a16:creationId xmlns:a16="http://schemas.microsoft.com/office/drawing/2014/main" id="{98C7F57B-B855-35DE-B73A-EE9C7B04F6BB}"/>
-              </a:ext>
-            </a:extLst>
-          </p:cNvPr>
-          <p:cNvSpPr txBox="1"/>
-          <p:nvPr/>
-        </p:nvSpPr>
-        <p:spPr>
-          <a:xfrm>
-            <a:off x="8377880" y="3859796"/>
-            <a:ext cx="2038865" cy="477054"/>
-          </a:xfrm>
-          <a:prstGeom prst="rect">
-            <a:avLst/>
-          </a:prstGeom>
-          <a:noFill/>
-        </p:spPr>
-        <p:txBody>
-          <a:bodyPr wrap="square" rtlCol="0">
-            <a:spAutoFit/>
-          </a:bodyPr>
-          <a:lstStyle/>
-          <a:p>
-            <a:r>
-              <a:rPr kumimoji="1" lang="ko-Kore-KR" altLang="en-US" sz="2500" dirty="0">
+              </a:endParaRPr>
+            </a:p>
+          </p:txBody>
+        </p:sp>
+        <p:sp>
+          <p:nvSpPr>
+            <p:cNvPr id="17" name="TextBox 16">
+              <a:extLst>
+                <a:ext uri="{FF2B5EF4-FFF2-40B4-BE49-F238E27FC236}">
+                  <a16:creationId xmlns:a16="http://schemas.microsoft.com/office/drawing/2014/main" id="{A01DE26A-1141-1DA7-B88E-F0A3304A2294}"/>
+                </a:ext>
+              </a:extLst>
+            </p:cNvPr>
+            <p:cNvSpPr txBox="1"/>
+            <p:nvPr/>
+          </p:nvSpPr>
+          <p:spPr>
+            <a:xfrm>
+              <a:off x="3279196" y="417174"/>
+              <a:ext cx="1495168" cy="477054"/>
+            </a:xfrm>
+            <a:prstGeom prst="rect">
+              <a:avLst/>
+            </a:prstGeom>
+            <a:noFill/>
+          </p:spPr>
+          <p:txBody>
+            <a:bodyPr wrap="square" rtlCol="0">
+              <a:spAutoFit/>
+            </a:bodyPr>
+            <a:lstStyle/>
+            <a:p>
+              <a:r>
+                <a:rPr kumimoji="1" lang="ko-Kore-KR" altLang="en-US" sz="2500" dirty="0">
+                  <a:latin typeface="BM JUA OTF" panose="02020603020101020101" pitchFamily="18" charset="-127"/>
+                  <a:ea typeface="BM JUA OTF" panose="02020603020101020101" pitchFamily="18" charset="-127"/>
+                </a:rPr>
+                <a:t>초기식</a:t>
+              </a:r>
+            </a:p>
+          </p:txBody>
+        </p:sp>
+        <p:sp>
+          <p:nvSpPr>
+            <p:cNvPr id="18" name="TextBox 17">
+              <a:extLst>
+                <a:ext uri="{FF2B5EF4-FFF2-40B4-BE49-F238E27FC236}">
+                  <a16:creationId xmlns:a16="http://schemas.microsoft.com/office/drawing/2014/main" id="{40C4365C-D4A3-EF10-09E7-369C2C70E78E}"/>
+                </a:ext>
+              </a:extLst>
+            </p:cNvPr>
+            <p:cNvSpPr txBox="1"/>
+            <p:nvPr/>
+          </p:nvSpPr>
+          <p:spPr>
+            <a:xfrm>
+              <a:off x="4665504" y="1654568"/>
+              <a:ext cx="1495168" cy="477054"/>
+            </a:xfrm>
+            <a:prstGeom prst="rect">
+              <a:avLst/>
+            </a:prstGeom>
+            <a:noFill/>
+          </p:spPr>
+          <p:txBody>
+            <a:bodyPr wrap="square" rtlCol="0">
+              <a:spAutoFit/>
+            </a:bodyPr>
+            <a:lstStyle/>
+            <a:p>
+              <a:r>
+                <a:rPr kumimoji="1" lang="ko-Kore-KR" altLang="en-US" sz="2500" dirty="0">
+                  <a:latin typeface="BM JUA OTF" panose="02020603020101020101" pitchFamily="18" charset="-127"/>
+                  <a:ea typeface="BM JUA OTF" panose="02020603020101020101" pitchFamily="18" charset="-127"/>
+                </a:rPr>
+                <a:t>조건식</a:t>
+              </a:r>
+            </a:p>
+          </p:txBody>
+        </p:sp>
+        <p:sp>
+          <p:nvSpPr>
+            <p:cNvPr id="19" name="TextBox 18">
+              <a:extLst>
+                <a:ext uri="{FF2B5EF4-FFF2-40B4-BE49-F238E27FC236}">
+                  <a16:creationId xmlns:a16="http://schemas.microsoft.com/office/drawing/2014/main" id="{98C7F57B-B855-35DE-B73A-EE9C7B04F6BB}"/>
+                </a:ext>
+              </a:extLst>
+            </p:cNvPr>
+            <p:cNvSpPr txBox="1"/>
+            <p:nvPr/>
+          </p:nvSpPr>
+          <p:spPr>
+            <a:xfrm>
+              <a:off x="8377880" y="3859796"/>
+              <a:ext cx="2038865" cy="477054"/>
+            </a:xfrm>
+            <a:prstGeom prst="rect">
+              <a:avLst/>
+            </a:prstGeom>
+            <a:noFill/>
+          </p:spPr>
+          <p:txBody>
+            <a:bodyPr wrap="square" rtlCol="0">
+              <a:spAutoFit/>
+            </a:bodyPr>
+            <a:lstStyle/>
+            <a:p>
+              <a:r>
+                <a:rPr kumimoji="1" lang="ko-Kore-KR" altLang="en-US" sz="2500" dirty="0">
+                  <a:latin typeface="BM JUA OTF" panose="02020603020101020101" pitchFamily="18" charset="-127"/>
+                  <a:ea typeface="BM JUA OTF" panose="02020603020101020101" pitchFamily="18" charset="-127"/>
+                </a:rPr>
+                <a:t>반복할</a:t>
+              </a:r>
+              <a:r>
+                <a:rPr kumimoji="1" lang="ko-KR" altLang="en-US" sz="2500" dirty="0">
+                  <a:latin typeface="BM JUA OTF" panose="02020603020101020101" pitchFamily="18" charset="-127"/>
+                  <a:ea typeface="BM JUA OTF" panose="02020603020101020101" pitchFamily="18" charset="-127"/>
+                </a:rPr>
+                <a:t> 코드</a:t>
+              </a:r>
+              <a:endParaRPr kumimoji="1" lang="ko-Kore-KR" altLang="en-US" sz="2500" dirty="0">
                 <a:latin typeface="BM JUA OTF" panose="02020603020101020101" pitchFamily="18" charset="-127"/>
                 <a:ea typeface="BM JUA OTF" panose="02020603020101020101" pitchFamily="18" charset="-127"/>
-              </a:rPr>
-              <a:t>반복할</a:t>
-            </a:r>
-            <a:r>
-              <a:rPr kumimoji="1" lang="ko-KR" altLang="en-US" sz="2500" dirty="0">
+              </a:endParaRPr>
+            </a:p>
+          </p:txBody>
+        </p:sp>
+        <p:sp>
+          <p:nvSpPr>
+            <p:cNvPr id="20" name="TextBox 19">
+              <a:extLst>
+                <a:ext uri="{FF2B5EF4-FFF2-40B4-BE49-F238E27FC236}">
+                  <a16:creationId xmlns:a16="http://schemas.microsoft.com/office/drawing/2014/main" id="{24896EF3-6B32-05D9-F138-AAFFE4EE2D8E}"/>
+                </a:ext>
+              </a:extLst>
+            </p:cNvPr>
+            <p:cNvSpPr txBox="1"/>
+            <p:nvPr/>
+          </p:nvSpPr>
+          <p:spPr>
+            <a:xfrm>
+              <a:off x="4236711" y="3005861"/>
+              <a:ext cx="2038865" cy="477054"/>
+            </a:xfrm>
+            <a:prstGeom prst="rect">
+              <a:avLst/>
+            </a:prstGeom>
+            <a:noFill/>
+          </p:spPr>
+          <p:txBody>
+            <a:bodyPr wrap="square" rtlCol="0">
+              <a:spAutoFit/>
+            </a:bodyPr>
+            <a:lstStyle/>
+            <a:p>
+              <a:r>
+                <a:rPr kumimoji="1" lang="ko-KR" altLang="en-US" sz="2500" dirty="0" err="1">
+                  <a:latin typeface="BM JUA OTF" panose="02020603020101020101" pitchFamily="18" charset="-127"/>
+                  <a:ea typeface="BM JUA OTF" panose="02020603020101020101" pitchFamily="18" charset="-127"/>
+                </a:rPr>
+                <a:t>변화식</a:t>
+              </a:r>
+              <a:endParaRPr kumimoji="1" lang="ko-Kore-KR" altLang="en-US" sz="2500" dirty="0">
                 <a:latin typeface="BM JUA OTF" panose="02020603020101020101" pitchFamily="18" charset="-127"/>
                 <a:ea typeface="BM JUA OTF" panose="02020603020101020101" pitchFamily="18" charset="-127"/>
-              </a:rPr>
-              <a:t> 코드</a:t>
-            </a:r>
-            <a:endParaRPr kumimoji="1" lang="ko-Kore-KR" altLang="en-US" sz="2500" dirty="0">
-              <a:latin typeface="BM JUA OTF" panose="02020603020101020101" pitchFamily="18" charset="-127"/>
-              <a:ea typeface="BM JUA OTF" panose="02020603020101020101" pitchFamily="18" charset="-127"/>
-            </a:endParaRPr>
-          </a:p>
-        </p:txBody>
-      </p:sp>
-      <p:sp>
-        <p:nvSpPr>
-          <p:cNvPr id="20" name="TextBox 19">
-            <a:extLst>
-              <a:ext uri="{FF2B5EF4-FFF2-40B4-BE49-F238E27FC236}">
-                <a16:creationId xmlns:a16="http://schemas.microsoft.com/office/drawing/2014/main" id="{24896EF3-6B32-05D9-F138-AAFFE4EE2D8E}"/>
-              </a:ext>
-            </a:extLst>
-          </p:cNvPr>
-          <p:cNvSpPr txBox="1"/>
-          <p:nvPr/>
-        </p:nvSpPr>
-        <p:spPr>
-          <a:xfrm>
-            <a:off x="4236711" y="3005861"/>
-            <a:ext cx="2038865" cy="477054"/>
-          </a:xfrm>
-          <a:prstGeom prst="rect">
-            <a:avLst/>
-          </a:prstGeom>
-          <a:noFill/>
-        </p:spPr>
-        <p:txBody>
-          <a:bodyPr wrap="square" rtlCol="0">
-            <a:spAutoFit/>
-          </a:bodyPr>
-          <a:lstStyle/>
-          <a:p>
-            <a:r>
-              <a:rPr kumimoji="1" lang="ko-KR" altLang="en-US" sz="2500" dirty="0" err="1">
+              </a:endParaRPr>
+            </a:p>
+          </p:txBody>
+        </p:sp>
+        <p:sp>
+          <p:nvSpPr>
+            <p:cNvPr id="21" name="왼쪽 화살표[L] 20">
+              <a:extLst>
+                <a:ext uri="{FF2B5EF4-FFF2-40B4-BE49-F238E27FC236}">
+                  <a16:creationId xmlns:a16="http://schemas.microsoft.com/office/drawing/2014/main" id="{9540A2A2-9E82-44A8-354C-B593F1347B5B}"/>
+                </a:ext>
+              </a:extLst>
+            </p:cNvPr>
+            <p:cNvSpPr/>
+            <p:nvPr/>
+          </p:nvSpPr>
+          <p:spPr>
+            <a:xfrm rot="19447144">
+              <a:off x="3546865" y="3332312"/>
+              <a:ext cx="642137" cy="370703"/>
+            </a:xfrm>
+            <a:prstGeom prst="leftArrow">
+              <a:avLst/>
+            </a:prstGeom>
+            <a:solidFill>
+              <a:schemeClr val="bg2"/>
+            </a:solidFill>
+            <a:ln>
+              <a:noFill/>
+            </a:ln>
+          </p:spPr>
+          <p:style>
+            <a:lnRef idx="2">
+              <a:schemeClr val="accent1">
+                <a:shade val="50000"/>
+              </a:schemeClr>
+            </a:lnRef>
+            <a:fillRef idx="1">
+              <a:schemeClr val="accent1"/>
+            </a:fillRef>
+            <a:effectRef idx="0">
+              <a:schemeClr val="accent1"/>
+            </a:effectRef>
+            <a:fontRef idx="minor">
+              <a:schemeClr val="lt1"/>
+            </a:fontRef>
+          </p:style>
+          <p:txBody>
+            <a:bodyPr rtlCol="0" anchor="ctr"/>
+            <a:lstStyle/>
+            <a:p>
+              <a:pPr algn="ctr"/>
+              <a:endParaRPr kumimoji="1" lang="ko-Kore-KR" altLang="en-US">
                 <a:latin typeface="BM JUA OTF" panose="02020603020101020101" pitchFamily="18" charset="-127"/>
                 <a:ea typeface="BM JUA OTF" panose="02020603020101020101" pitchFamily="18" charset="-127"/>
-              </a:rPr>
-              <a:t>변화식</a:t>
-            </a:r>
-            <a:endParaRPr kumimoji="1" lang="ko-Kore-KR" altLang="en-US" sz="2500" dirty="0">
-              <a:latin typeface="BM JUA OTF" panose="02020603020101020101" pitchFamily="18" charset="-127"/>
-              <a:ea typeface="BM JUA OTF" panose="02020603020101020101" pitchFamily="18" charset="-127"/>
-            </a:endParaRPr>
-          </a:p>
-        </p:txBody>
-      </p:sp>
-      <p:sp>
-        <p:nvSpPr>
-          <p:cNvPr id="21" name="왼쪽 화살표[L] 20">
-            <a:extLst>
-              <a:ext uri="{FF2B5EF4-FFF2-40B4-BE49-F238E27FC236}">
-                <a16:creationId xmlns:a16="http://schemas.microsoft.com/office/drawing/2014/main" id="{9540A2A2-9E82-44A8-354C-B593F1347B5B}"/>
-              </a:ext>
-            </a:extLst>
-          </p:cNvPr>
-          <p:cNvSpPr/>
-          <p:nvPr/>
-        </p:nvSpPr>
-        <p:spPr>
-          <a:xfrm rot="19447144">
-            <a:off x="3546865" y="3332312"/>
-            <a:ext cx="642137" cy="370703"/>
-          </a:xfrm>
-          <a:prstGeom prst="leftArrow">
-            <a:avLst/>
-          </a:prstGeom>
-          <a:solidFill>
-            <a:schemeClr val="bg2"/>
-          </a:solidFill>
-          <a:ln>
-            <a:noFill/>
-          </a:ln>
-        </p:spPr>
-        <p:style>
-          <a:lnRef idx="2">
-            <a:schemeClr val="accent1">
-              <a:shade val="50000"/>
-            </a:schemeClr>
-          </a:lnRef>
-          <a:fillRef idx="1">
-            <a:schemeClr val="accent1"/>
-          </a:fillRef>
-          <a:effectRef idx="0">
-            <a:schemeClr val="accent1"/>
-          </a:effectRef>
-          <a:fontRef idx="minor">
-            <a:schemeClr val="lt1"/>
-          </a:fontRef>
-        </p:style>
-        <p:txBody>
-          <a:bodyPr rtlCol="0" anchor="ctr"/>
-          <a:lstStyle/>
-          <a:p>
-            <a:pPr algn="ctr"/>
-            <a:endParaRPr kumimoji="1" lang="ko-Kore-KR" altLang="en-US">
-              <a:latin typeface="BM JUA OTF" panose="02020603020101020101" pitchFamily="18" charset="-127"/>
-              <a:ea typeface="BM JUA OTF" panose="02020603020101020101" pitchFamily="18" charset="-127"/>
-            </a:endParaRPr>
-          </a:p>
-        </p:txBody>
-      </p:sp>
+              </a:endParaRPr>
+            </a:p>
+          </p:txBody>
+        </p:sp>
+      </p:grpSp>
     </p:spTree>
     <p:extLst>
       <p:ext uri="{BB962C8B-B14F-4D97-AF65-F5344CB8AC3E}">
